--- a/completeness/experiments/experimental_results/Experimental Results.pptx
+++ b/completeness/experiments/experimental_results/Experimental Results.pptx
@@ -252,7 +252,7 @@
           <a:p>
             <a:fld id="{899D766E-60EA-40D4-8F02-6F5AC76A935E}" type="datetimeFigureOut">
               <a:rPr lang="en-US" smtClean="0"/>
-              <a:t>8/11/2016</a:t>
+              <a:t>8/14/2016</a:t>
             </a:fld>
             <a:endParaRPr lang="en-US"/>
           </a:p>
@@ -422,7 +422,7 @@
           <a:p>
             <a:fld id="{899D766E-60EA-40D4-8F02-6F5AC76A935E}" type="datetimeFigureOut">
               <a:rPr lang="en-US" smtClean="0"/>
-              <a:t>8/11/2016</a:t>
+              <a:t>8/14/2016</a:t>
             </a:fld>
             <a:endParaRPr lang="en-US"/>
           </a:p>
@@ -602,7 +602,7 @@
           <a:p>
             <a:fld id="{899D766E-60EA-40D4-8F02-6F5AC76A935E}" type="datetimeFigureOut">
               <a:rPr lang="en-US" smtClean="0"/>
-              <a:t>8/11/2016</a:t>
+              <a:t>8/14/2016</a:t>
             </a:fld>
             <a:endParaRPr lang="en-US"/>
           </a:p>
@@ -772,7 +772,7 @@
           <a:p>
             <a:fld id="{899D766E-60EA-40D4-8F02-6F5AC76A935E}" type="datetimeFigureOut">
               <a:rPr lang="en-US" smtClean="0"/>
-              <a:t>8/11/2016</a:t>
+              <a:t>8/14/2016</a:t>
             </a:fld>
             <a:endParaRPr lang="en-US"/>
           </a:p>
@@ -1018,7 +1018,7 @@
           <a:p>
             <a:fld id="{899D766E-60EA-40D4-8F02-6F5AC76A935E}" type="datetimeFigureOut">
               <a:rPr lang="en-US" smtClean="0"/>
-              <a:t>8/11/2016</a:t>
+              <a:t>8/14/2016</a:t>
             </a:fld>
             <a:endParaRPr lang="en-US"/>
           </a:p>
@@ -1250,7 +1250,7 @@
           <a:p>
             <a:fld id="{899D766E-60EA-40D4-8F02-6F5AC76A935E}" type="datetimeFigureOut">
               <a:rPr lang="en-US" smtClean="0"/>
-              <a:t>8/11/2016</a:t>
+              <a:t>8/14/2016</a:t>
             </a:fld>
             <a:endParaRPr lang="en-US"/>
           </a:p>
@@ -1617,7 +1617,7 @@
           <a:p>
             <a:fld id="{899D766E-60EA-40D4-8F02-6F5AC76A935E}" type="datetimeFigureOut">
               <a:rPr lang="en-US" smtClean="0"/>
-              <a:t>8/11/2016</a:t>
+              <a:t>8/14/2016</a:t>
             </a:fld>
             <a:endParaRPr lang="en-US"/>
           </a:p>
@@ -1735,7 +1735,7 @@
           <a:p>
             <a:fld id="{899D766E-60EA-40D4-8F02-6F5AC76A935E}" type="datetimeFigureOut">
               <a:rPr lang="en-US" smtClean="0"/>
-              <a:t>8/11/2016</a:t>
+              <a:t>8/14/2016</a:t>
             </a:fld>
             <a:endParaRPr lang="en-US"/>
           </a:p>
@@ -1830,7 +1830,7 @@
           <a:p>
             <a:fld id="{899D766E-60EA-40D4-8F02-6F5AC76A935E}" type="datetimeFigureOut">
               <a:rPr lang="en-US" smtClean="0"/>
-              <a:t>8/11/2016</a:t>
+              <a:t>8/14/2016</a:t>
             </a:fld>
             <a:endParaRPr lang="en-US"/>
           </a:p>
@@ -2107,7 +2107,7 @@
           <a:p>
             <a:fld id="{899D766E-60EA-40D4-8F02-6F5AC76A935E}" type="datetimeFigureOut">
               <a:rPr lang="en-US" smtClean="0"/>
-              <a:t>8/11/2016</a:t>
+              <a:t>8/14/2016</a:t>
             </a:fld>
             <a:endParaRPr lang="en-US"/>
           </a:p>
@@ -2360,7 +2360,7 @@
           <a:p>
             <a:fld id="{899D766E-60EA-40D4-8F02-6F5AC76A935E}" type="datetimeFigureOut">
               <a:rPr lang="en-US" smtClean="0"/>
-              <a:t>8/11/2016</a:t>
+              <a:t>8/14/2016</a:t>
             </a:fld>
             <a:endParaRPr lang="en-US"/>
           </a:p>
@@ -2573,7 +2573,7 @@
           <a:p>
             <a:fld id="{899D766E-60EA-40D4-8F02-6F5AC76A935E}" type="datetimeFigureOut">
               <a:rPr lang="en-US" smtClean="0"/>
-              <a:t>8/11/2016</a:t>
+              <a:t>8/14/2016</a:t>
             </a:fld>
             <a:endParaRPr lang="en-US"/>
           </a:p>
@@ -3079,7 +3079,7 @@
       </p:sp>
       <p:pic>
         <p:nvPicPr>
-          <p:cNvPr id="4" name="Content Placeholder 3"/>
+          <p:cNvPr id="5" name="Content Placeholder 4"/>
           <p:cNvPicPr>
             <a:picLocks noGrp="1" noChangeAspect="1"/>
           </p:cNvPicPr>
@@ -3101,8 +3101,8 @@
         </p:blipFill>
         <p:spPr>
           <a:xfrm>
-            <a:off x="386496" y="242357"/>
-            <a:ext cx="11615928" cy="6319309"/>
+            <a:off x="335697" y="208491"/>
+            <a:ext cx="11740432" cy="6387042"/>
           </a:xfrm>
         </p:spPr>
       </p:pic>
@@ -3169,7 +3169,7 @@
             <p:ph idx="1"/>
             <p:extLst>
               <p:ext uri="{D42A27DB-BD31-4B8C-83A1-F6EECF244321}">
-                <p14:modId xmlns:p14="http://schemas.microsoft.com/office/powerpoint/2010/main" val="418395045"/>
+                <p14:modId xmlns:p14="http://schemas.microsoft.com/office/powerpoint/2010/main" val="849288875"/>
               </p:ext>
             </p:extLst>
           </p:nvPr>
@@ -3292,22 +3292,22 @@
                       <a:pPr algn="ctr"/>
                       <a:r>
                         <a:rPr lang="en-US" dirty="0" smtClean="0"/>
-                        <a:t>18.345%</a:t>
-                      </a:r>
-                      <a:endParaRPr lang="en-US" dirty="0"/>
-                    </a:p>
-                  </a:txBody>
-                  <a:tcPr anchor="ctr"/>
-                </a:tc>
-                <a:tc>
-                  <a:txBody>
-                    <a:bodyPr/>
-                    <a:lstStyle/>
-                    <a:p>
-                      <a:pPr algn="ctr"/>
-                      <a:r>
-                        <a:rPr lang="en-US" dirty="0" smtClean="0"/>
-                        <a:t>10169.231%</a:t>
+                        <a:t>13.731%</a:t>
+                      </a:r>
+                      <a:endParaRPr lang="en-US" dirty="0"/>
+                    </a:p>
+                  </a:txBody>
+                  <a:tcPr anchor="ctr"/>
+                </a:tc>
+                <a:tc>
+                  <a:txBody>
+                    <a:bodyPr/>
+                    <a:lstStyle/>
+                    <a:p>
+                      <a:pPr algn="ctr"/>
+                      <a:r>
+                        <a:rPr lang="en-US" dirty="0" smtClean="0"/>
+                        <a:t>10530.769%</a:t>
                       </a:r>
                       <a:endParaRPr lang="en-US" dirty="0"/>
                     </a:p>
@@ -3338,7 +3338,7 @@
                       </a:pPr>
                       <a:r>
                         <a:rPr lang="en-US" dirty="0" smtClean="0"/>
-                        <a:t>1166.834%</a:t>
+                        <a:t>1081.099%</a:t>
                       </a:r>
                       <a:endParaRPr lang="en-US" dirty="0" smtClean="0"/>
                     </a:p>
@@ -3353,7 +3353,7 @@
                       <a:pPr algn="ctr"/>
                       <a:r>
                         <a:rPr lang="en-US" dirty="0" smtClean="0"/>
-                        <a:t>1590.774%</a:t>
+                        <a:t>1613.265%</a:t>
                       </a:r>
                       <a:endParaRPr lang="en-US" dirty="0"/>
                     </a:p>
@@ -3400,37 +3400,37 @@
                       <a:pPr algn="ctr"/>
                       <a:r>
                         <a:rPr lang="en-US" dirty="0" smtClean="0"/>
-                        <a:t>78.481%</a:t>
-                      </a:r>
-                      <a:endParaRPr lang="en-US" dirty="0"/>
-                    </a:p>
-                  </a:txBody>
-                  <a:tcPr anchor="ctr"/>
-                </a:tc>
-                <a:tc>
-                  <a:txBody>
-                    <a:bodyPr/>
-                    <a:lstStyle/>
-                    <a:p>
-                      <a:pPr algn="ctr"/>
-                      <a:r>
-                        <a:rPr lang="en-US" dirty="0" smtClean="0"/>
-                        <a:t>11.071%</a:t>
-                      </a:r>
-                      <a:endParaRPr lang="en-US" dirty="0"/>
-                    </a:p>
-                  </a:txBody>
-                  <a:tcPr anchor="ctr"/>
-                </a:tc>
-                <a:tc>
-                  <a:txBody>
-                    <a:bodyPr/>
-                    <a:lstStyle/>
-                    <a:p>
-                      <a:pPr algn="ctr"/>
-                      <a:r>
-                        <a:rPr lang="en-US" dirty="0" smtClean="0"/>
-                        <a:t>12.854%</a:t>
+                        <a:t>100.0%</a:t>
+                      </a:r>
+                      <a:endParaRPr lang="en-US" dirty="0"/>
+                    </a:p>
+                  </a:txBody>
+                  <a:tcPr anchor="ctr"/>
+                </a:tc>
+                <a:tc>
+                  <a:txBody>
+                    <a:bodyPr/>
+                    <a:lstStyle/>
+                    <a:p>
+                      <a:pPr algn="ctr"/>
+                      <a:r>
+                        <a:rPr lang="en-US" dirty="0" smtClean="0"/>
+                        <a:t>10.226%</a:t>
+                      </a:r>
+                      <a:endParaRPr lang="en-US" dirty="0"/>
+                    </a:p>
+                  </a:txBody>
+                  <a:tcPr anchor="ctr"/>
+                </a:tc>
+                <a:tc>
+                  <a:txBody>
+                    <a:bodyPr/>
+                    <a:lstStyle/>
+                    <a:p>
+                      <a:pPr algn="ctr"/>
+                      <a:r>
+                        <a:rPr lang="en-US" dirty="0" smtClean="0"/>
+                        <a:t>11.718%</a:t>
                       </a:r>
                       <a:endParaRPr lang="en-US" dirty="0"/>
                     </a:p>
@@ -3462,52 +3462,52 @@
                       <a:pPr algn="ctr"/>
                       <a:r>
                         <a:rPr lang="en-US" dirty="0" smtClean="0"/>
-                        <a:t>23.033%</a:t>
-                      </a:r>
-                      <a:endParaRPr lang="en-US" dirty="0"/>
-                    </a:p>
-                  </a:txBody>
-                  <a:tcPr anchor="ctr"/>
-                </a:tc>
-                <a:tc>
-                  <a:txBody>
-                    <a:bodyPr/>
-                    <a:lstStyle/>
-                    <a:p>
-                      <a:pPr algn="ctr"/>
-                      <a:r>
-                        <a:rPr lang="en-US" dirty="0" smtClean="0"/>
-                        <a:t>9738.860%</a:t>
-                      </a:r>
-                      <a:endParaRPr lang="en-US" dirty="0"/>
-                    </a:p>
-                  </a:txBody>
-                  <a:tcPr anchor="ctr"/>
-                </a:tc>
-                <a:tc>
-                  <a:txBody>
-                    <a:bodyPr/>
-                    <a:lstStyle/>
-                    <a:p>
-                      <a:pPr algn="ctr"/>
-                      <a:r>
-                        <a:rPr lang="en-US" dirty="0" smtClean="0"/>
-                        <a:t>1048.532%</a:t>
-                      </a:r>
-                      <a:endParaRPr lang="en-US" dirty="0"/>
-                    </a:p>
-                  </a:txBody>
-                  <a:tcPr anchor="ctr"/>
-                </a:tc>
-                <a:tc>
-                  <a:txBody>
-                    <a:bodyPr/>
-                    <a:lstStyle/>
-                    <a:p>
-                      <a:pPr algn="ctr"/>
-                      <a:r>
-                        <a:rPr lang="en-US" dirty="0" smtClean="0"/>
-                        <a:t>1419.658%</a:t>
+                        <a:t>14.092%</a:t>
+                      </a:r>
+                      <a:endParaRPr lang="en-US" dirty="0"/>
+                    </a:p>
+                  </a:txBody>
+                  <a:tcPr anchor="ctr"/>
+                </a:tc>
+                <a:tc>
+                  <a:txBody>
+                    <a:bodyPr/>
+                    <a:lstStyle/>
+                    <a:p>
+                      <a:pPr algn="ctr"/>
+                      <a:r>
+                        <a:rPr lang="en-US" dirty="0" smtClean="0"/>
+                        <a:t>11124.432%</a:t>
+                      </a:r>
+                      <a:endParaRPr lang="en-US" dirty="0"/>
+                    </a:p>
+                  </a:txBody>
+                  <a:tcPr anchor="ctr"/>
+                </a:tc>
+                <a:tc>
+                  <a:txBody>
+                    <a:bodyPr/>
+                    <a:lstStyle/>
+                    <a:p>
+                      <a:pPr algn="ctr"/>
+                      <a:r>
+                        <a:rPr lang="en-US" dirty="0" smtClean="0"/>
+                        <a:t>882.018%</a:t>
+                      </a:r>
+                      <a:endParaRPr lang="en-US" dirty="0"/>
+                    </a:p>
+                  </a:txBody>
+                  <a:tcPr anchor="ctr"/>
+                </a:tc>
+                <a:tc>
+                  <a:txBody>
+                    <a:bodyPr/>
+                    <a:lstStyle/>
+                    <a:p>
+                      <a:pPr algn="ctr"/>
+                      <a:r>
+                        <a:rPr lang="en-US" dirty="0" smtClean="0"/>
+                        <a:t>1512.071%</a:t>
                       </a:r>
                       <a:endParaRPr lang="en-US" dirty="0"/>
                     </a:p>
@@ -3581,7 +3581,7 @@
       </p:grpSpPr>
       <p:pic>
         <p:nvPicPr>
-          <p:cNvPr id="2" name="Picture 1"/>
+          <p:cNvPr id="3" name="Picture 2"/>
           <p:cNvPicPr>
             <a:picLocks noChangeAspect="1"/>
           </p:cNvPicPr>
@@ -3601,7 +3601,7 @@
         </p:blipFill>
         <p:spPr>
           <a:xfrm>
-            <a:off x="0" y="112648"/>
+            <a:off x="-127000" y="225296"/>
             <a:ext cx="12192000" cy="6632704"/>
           </a:xfrm>
           <a:prstGeom prst="rect">
@@ -3660,7 +3660,7 @@
       </p:sp>
       <p:pic>
         <p:nvPicPr>
-          <p:cNvPr id="4" name="Content Placeholder 3"/>
+          <p:cNvPr id="5" name="Content Placeholder 4"/>
           <p:cNvPicPr>
             <a:picLocks noGrp="1" noChangeAspect="1"/>
           </p:cNvPicPr>
@@ -3682,8 +3682,8 @@
         </p:blipFill>
         <p:spPr>
           <a:xfrm>
-            <a:off x="132497" y="276225"/>
-            <a:ext cx="11802684" cy="6420908"/>
+            <a:off x="361096" y="293158"/>
+            <a:ext cx="11475304" cy="6242807"/>
           </a:xfrm>
         </p:spPr>
       </p:pic>
@@ -3750,7 +3750,7 @@
             <p:ph idx="1"/>
             <p:extLst>
               <p:ext uri="{D42A27DB-BD31-4B8C-83A1-F6EECF244321}">
-                <p14:modId xmlns:p14="http://schemas.microsoft.com/office/powerpoint/2010/main" val="228656933"/>
+                <p14:modId xmlns:p14="http://schemas.microsoft.com/office/powerpoint/2010/main" val="790396352"/>
               </p:ext>
             </p:extLst>
           </p:nvPr>
@@ -3877,52 +3877,52 @@
                       <a:pPr algn="ctr"/>
                       <a:r>
                         <a:rPr lang="en-US" dirty="0" smtClean="0"/>
-                        <a:t>0.047</a:t>
-                      </a:r>
-                      <a:endParaRPr lang="en-US" dirty="0"/>
-                    </a:p>
-                  </a:txBody>
-                  <a:tcPr anchor="ctr"/>
-                </a:tc>
-                <a:tc>
-                  <a:txBody>
-                    <a:bodyPr/>
-                    <a:lstStyle/>
-                    <a:p>
-                      <a:pPr algn="ctr"/>
-                      <a:r>
-                        <a:rPr lang="en-US" dirty="0" smtClean="0"/>
-                        <a:t>19.537</a:t>
-                      </a:r>
-                      <a:endParaRPr lang="en-US" dirty="0"/>
-                    </a:p>
-                  </a:txBody>
-                  <a:tcPr anchor="ctr"/>
-                </a:tc>
-                <a:tc>
-                  <a:txBody>
-                    <a:bodyPr/>
-                    <a:lstStyle/>
-                    <a:p>
-                      <a:pPr algn="ctr"/>
-                      <a:r>
-                        <a:rPr lang="en-US" dirty="0" smtClean="0"/>
-                        <a:t>1.414</a:t>
-                      </a:r>
-                      <a:endParaRPr lang="en-US" dirty="0"/>
-                    </a:p>
-                  </a:txBody>
-                  <a:tcPr anchor="ctr"/>
-                </a:tc>
-                <a:tc>
-                  <a:txBody>
-                    <a:bodyPr/>
-                    <a:lstStyle/>
-                    <a:p>
-                      <a:pPr algn="ctr"/>
-                      <a:r>
-                        <a:rPr lang="en-US" dirty="0" smtClean="0"/>
-                        <a:t>2.291</a:t>
+                        <a:t>0.062</a:t>
+                      </a:r>
+                      <a:endParaRPr lang="en-US" dirty="0"/>
+                    </a:p>
+                  </a:txBody>
+                  <a:tcPr anchor="ctr"/>
+                </a:tc>
+                <a:tc>
+                  <a:txBody>
+                    <a:bodyPr/>
+                    <a:lstStyle/>
+                    <a:p>
+                      <a:pPr algn="ctr"/>
+                      <a:r>
+                        <a:rPr lang="en-US" dirty="0" smtClean="0"/>
+                        <a:t>14.758</a:t>
+                      </a:r>
+                      <a:endParaRPr lang="en-US" dirty="0"/>
+                    </a:p>
+                  </a:txBody>
+                  <a:tcPr anchor="ctr"/>
+                </a:tc>
+                <a:tc>
+                  <a:txBody>
+                    <a:bodyPr/>
+                    <a:lstStyle/>
+                    <a:p>
+                      <a:pPr algn="ctr"/>
+                      <a:r>
+                        <a:rPr lang="en-US" dirty="0" smtClean="0"/>
+                        <a:t>1.384</a:t>
+                      </a:r>
+                      <a:endParaRPr lang="en-US" dirty="0"/>
+                    </a:p>
+                  </a:txBody>
+                  <a:tcPr anchor="ctr"/>
+                </a:tc>
+                <a:tc>
+                  <a:txBody>
+                    <a:bodyPr/>
+                    <a:lstStyle/>
+                    <a:p>
+                      <a:pPr algn="ctr"/>
+                      <a:r>
+                        <a:rPr lang="en-US" dirty="0" smtClean="0"/>
+                        <a:t>2.046</a:t>
                       </a:r>
                       <a:endParaRPr lang="en-US" dirty="0"/>
                     </a:p>
@@ -3954,52 +3954,52 @@
                       <a:pPr algn="ctr"/>
                       <a:r>
                         <a:rPr lang="en-US" dirty="0" smtClean="0"/>
-                        <a:t>0.219</a:t>
-                      </a:r>
-                      <a:endParaRPr lang="en-US" dirty="0"/>
-                    </a:p>
-                  </a:txBody>
-                  <a:tcPr anchor="ctr"/>
-                </a:tc>
-                <a:tc>
-                  <a:txBody>
-                    <a:bodyPr/>
-                    <a:lstStyle/>
-                    <a:p>
-                      <a:pPr algn="ctr"/>
-                      <a:r>
-                        <a:rPr lang="en-US" dirty="0" smtClean="0"/>
-                        <a:t>1286.479</a:t>
-                      </a:r>
-                      <a:endParaRPr lang="en-US" dirty="0"/>
-                    </a:p>
-                  </a:txBody>
-                  <a:tcPr anchor="ctr"/>
-                </a:tc>
-                <a:tc>
-                  <a:txBody>
-                    <a:bodyPr/>
-                    <a:lstStyle/>
-                    <a:p>
-                      <a:pPr algn="ctr"/>
-                      <a:r>
-                        <a:rPr lang="en-US" dirty="0" smtClean="0"/>
-                        <a:t>20.776</a:t>
-                      </a:r>
-                      <a:endParaRPr lang="en-US" dirty="0"/>
-                    </a:p>
-                  </a:txBody>
-                  <a:tcPr anchor="ctr"/>
-                </a:tc>
-                <a:tc>
-                  <a:txBody>
-                    <a:bodyPr/>
-                    <a:lstStyle/>
-                    <a:p>
-                      <a:pPr algn="ctr"/>
-                      <a:r>
-                        <a:rPr lang="en-US" dirty="0" smtClean="0"/>
-                        <a:t>108.626</a:t>
+                        <a:t>0.248</a:t>
+                      </a:r>
+                      <a:endParaRPr lang="en-US" dirty="0"/>
+                    </a:p>
+                  </a:txBody>
+                  <a:tcPr anchor="ctr"/>
+                </a:tc>
+                <a:tc>
+                  <a:txBody>
+                    <a:bodyPr/>
+                    <a:lstStyle/>
+                    <a:p>
+                      <a:pPr algn="ctr"/>
+                      <a:r>
+                        <a:rPr lang="en-US" dirty="0" smtClean="0"/>
+                        <a:t>1323.515</a:t>
+                      </a:r>
+                      <a:endParaRPr lang="en-US" dirty="0"/>
+                    </a:p>
+                  </a:txBody>
+                  <a:tcPr anchor="ctr"/>
+                </a:tc>
+                <a:tc>
+                  <a:txBody>
+                    <a:bodyPr/>
+                    <a:lstStyle/>
+                    <a:p>
+                      <a:pPr algn="ctr"/>
+                      <a:r>
+                        <a:rPr lang="en-US" dirty="0" smtClean="0"/>
+                        <a:t>17.247</a:t>
+                      </a:r>
+                      <a:endParaRPr lang="en-US" dirty="0"/>
+                    </a:p>
+                  </a:txBody>
+                  <a:tcPr anchor="ctr"/>
+                </a:tc>
+                <a:tc>
+                  <a:txBody>
+                    <a:bodyPr/>
+                    <a:lstStyle/>
+                    <a:p>
+                      <a:pPr algn="ctr"/>
+                      <a:r>
+                        <a:rPr lang="en-US" dirty="0" smtClean="0"/>
+                        <a:t>104.838</a:t>
                       </a:r>
                       <a:endParaRPr lang="en-US" dirty="0"/>
                     </a:p>
@@ -4016,71 +4016,71 @@
                       <a:pPr algn="ctr"/>
                       <a:r>
                         <a:rPr lang="en-US" dirty="0" smtClean="0"/>
-                        <a:t>IVC_MUST + </a:t>
-                      </a:r>
-                      <a:r>
-                        <a:rPr lang="en-US" dirty="0" err="1" smtClean="0"/>
-                        <a:t>prooftime</a:t>
-                      </a:r>
-                      <a:endParaRPr lang="en-US" dirty="0"/>
-                    </a:p>
-                  </a:txBody>
-                  <a:tcPr anchor="ctr"/>
-                </a:tc>
-                <a:tc>
-                  <a:txBody>
-                    <a:bodyPr/>
-                    <a:lstStyle/>
-                    <a:p>
-                      <a:pPr algn="ctr"/>
-                      <a:r>
-                        <a:rPr lang="en-US" dirty="0" smtClean="0"/>
-                        <a:t>0.203</a:t>
-                      </a:r>
-                      <a:endParaRPr lang="en-US" dirty="0"/>
-                    </a:p>
-                  </a:txBody>
-                  <a:tcPr anchor="ctr"/>
-                </a:tc>
-                <a:tc>
-                  <a:txBody>
-                    <a:bodyPr/>
-                    <a:lstStyle/>
-                    <a:p>
-                      <a:pPr algn="ctr"/>
-                      <a:r>
-                        <a:rPr lang="en-US" dirty="0" smtClean="0"/>
-                        <a:t>1058.299</a:t>
-                      </a:r>
-                      <a:endParaRPr lang="en-US" dirty="0"/>
-                    </a:p>
-                  </a:txBody>
-                  <a:tcPr anchor="ctr"/>
-                </a:tc>
-                <a:tc>
-                  <a:txBody>
-                    <a:bodyPr/>
-                    <a:lstStyle/>
-                    <a:p>
-                      <a:pPr algn="ctr"/>
-                      <a:r>
-                        <a:rPr lang="en-US" dirty="0" smtClean="0"/>
-                        <a:t>20.393</a:t>
-                      </a:r>
-                      <a:endParaRPr lang="en-US" dirty="0"/>
-                    </a:p>
-                  </a:txBody>
-                  <a:tcPr anchor="ctr"/>
-                </a:tc>
-                <a:tc>
-                  <a:txBody>
-                    <a:bodyPr/>
-                    <a:lstStyle/>
-                    <a:p>
-                      <a:pPr algn="ctr"/>
-                      <a:r>
-                        <a:rPr lang="en-US" dirty="0" smtClean="0"/>
-                        <a:t>98.255</a:t>
+                        <a:t>IVC_MUST </a:t>
+                      </a:r>
+                      <a:r>
+                        <a:rPr lang="en-US" smtClean="0"/>
+                        <a:t>+ proof time</a:t>
+                      </a:r>
+                      <a:endParaRPr lang="en-US" dirty="0"/>
+                    </a:p>
+                  </a:txBody>
+                  <a:tcPr anchor="ctr"/>
+                </a:tc>
+                <a:tc>
+                  <a:txBody>
+                    <a:bodyPr/>
+                    <a:lstStyle/>
+                    <a:p>
+                      <a:pPr algn="ctr"/>
+                      <a:r>
+                        <a:rPr lang="en-US" dirty="0" smtClean="0"/>
+                        <a:t>0.25</a:t>
+                      </a:r>
+                      <a:endParaRPr lang="en-US" dirty="0"/>
+                    </a:p>
+                  </a:txBody>
+                  <a:tcPr anchor="ctr"/>
+                </a:tc>
+                <a:tc>
+                  <a:txBody>
+                    <a:bodyPr/>
+                    <a:lstStyle/>
+                    <a:p>
+                      <a:pPr algn="ctr"/>
+                      <a:r>
+                        <a:rPr lang="en-US" dirty="0" smtClean="0"/>
+                        <a:t>1010.829</a:t>
+                      </a:r>
+                      <a:endParaRPr lang="en-US" dirty="0"/>
+                    </a:p>
+                  </a:txBody>
+                  <a:tcPr anchor="ctr"/>
+                </a:tc>
+                <a:tc>
+                  <a:txBody>
+                    <a:bodyPr/>
+                    <a:lstStyle/>
+                    <a:p>
+                      <a:pPr algn="ctr"/>
+                      <a:r>
+                        <a:rPr lang="en-US" dirty="0" smtClean="0"/>
+                        <a:t>20.641</a:t>
+                      </a:r>
+                      <a:endParaRPr lang="en-US" dirty="0"/>
+                    </a:p>
+                  </a:txBody>
+                  <a:tcPr anchor="ctr"/>
+                </a:tc>
+                <a:tc>
+                  <a:txBody>
+                    <a:bodyPr/>
+                    <a:lstStyle/>
+                    <a:p>
+                      <a:pPr algn="ctr"/>
+                      <a:r>
+                        <a:rPr lang="en-US" dirty="0" smtClean="0"/>
+                        <a:t>98.979</a:t>
                       </a:r>
                       <a:endParaRPr lang="en-US" dirty="0"/>
                     </a:p>
@@ -4112,52 +4112,52 @@
                       <a:pPr algn="ctr"/>
                       <a:r>
                         <a:rPr lang="en-US" dirty="0" smtClean="0"/>
-                        <a:t>0.046</a:t>
-                      </a:r>
-                      <a:endParaRPr lang="en-US" dirty="0"/>
-                    </a:p>
-                  </a:txBody>
-                  <a:tcPr anchor="ctr"/>
-                </a:tc>
-                <a:tc>
-                  <a:txBody>
-                    <a:bodyPr/>
-                    <a:lstStyle/>
-                    <a:p>
-                      <a:pPr algn="ctr"/>
-                      <a:r>
-                        <a:rPr lang="en-US" dirty="0" smtClean="0"/>
-                        <a:t>19.287</a:t>
-                      </a:r>
-                      <a:endParaRPr lang="en-US" dirty="0"/>
-                    </a:p>
-                  </a:txBody>
-                  <a:tcPr anchor="ctr"/>
-                </a:tc>
-                <a:tc>
-                  <a:txBody>
-                    <a:bodyPr/>
-                    <a:lstStyle/>
-                    <a:p>
-                      <a:pPr algn="ctr"/>
-                      <a:r>
-                        <a:rPr lang="en-US" dirty="0" smtClean="0"/>
-                        <a:t>1.331</a:t>
-                      </a:r>
-                      <a:endParaRPr lang="en-US" dirty="0"/>
-                    </a:p>
-                  </a:txBody>
-                  <a:tcPr anchor="ctr"/>
-                </a:tc>
-                <a:tc>
-                  <a:txBody>
-                    <a:bodyPr/>
-                    <a:lstStyle/>
-                    <a:p>
-                      <a:pPr algn="ctr"/>
-                      <a:r>
-                        <a:rPr lang="en-US" dirty="0" smtClean="0"/>
-                        <a:t>2.195</a:t>
+                        <a:t>0.047</a:t>
+                      </a:r>
+                      <a:endParaRPr lang="en-US" dirty="0"/>
+                    </a:p>
+                  </a:txBody>
+                  <a:tcPr anchor="ctr"/>
+                </a:tc>
+                <a:tc>
+                  <a:txBody>
+                    <a:bodyPr/>
+                    <a:lstStyle/>
+                    <a:p>
+                      <a:pPr algn="ctr"/>
+                      <a:r>
+                        <a:rPr lang="en-US" dirty="0" smtClean="0"/>
+                        <a:t>14.617</a:t>
+                      </a:r>
+                      <a:endParaRPr lang="en-US" dirty="0"/>
+                    </a:p>
+                  </a:txBody>
+                  <a:tcPr anchor="ctr"/>
+                </a:tc>
+                <a:tc>
+                  <a:txBody>
+                    <a:bodyPr/>
+                    <a:lstStyle/>
+                    <a:p>
+                      <a:pPr algn="ctr"/>
+                      <a:r>
+                        <a:rPr lang="en-US" dirty="0" smtClean="0"/>
+                        <a:t>1.299</a:t>
+                      </a:r>
+                      <a:endParaRPr lang="en-US" dirty="0"/>
+                    </a:p>
+                  </a:txBody>
+                  <a:tcPr anchor="ctr"/>
+                </a:tc>
+                <a:tc>
+                  <a:txBody>
+                    <a:bodyPr/>
+                    <a:lstStyle/>
+                    <a:p>
+                      <a:pPr algn="ctr"/>
+                      <a:r>
+                        <a:rPr lang="en-US" dirty="0" smtClean="0"/>
+                        <a:t>1.940</a:t>
                       </a:r>
                       <a:endParaRPr lang="en-US" dirty="0"/>
                     </a:p>
@@ -4216,11 +4216,7 @@
           <a:p>
             <a:r>
               <a:rPr lang="en-US" dirty="0" smtClean="0"/>
-              <a:t>Coverage of </a:t>
-            </a:r>
-            <a:r>
-              <a:rPr lang="en-US" dirty="0" smtClean="0"/>
-              <a:t>different algorithms</a:t>
+              <a:t>Coverage of different algorithms</a:t>
             </a:r>
             <a:endParaRPr lang="en-US" dirty="0"/>
           </a:p>
@@ -4236,7 +4232,7 @@
             <p:ph idx="1"/>
             <p:extLst>
               <p:ext uri="{D42A27DB-BD31-4B8C-83A1-F6EECF244321}">
-                <p14:modId xmlns:p14="http://schemas.microsoft.com/office/powerpoint/2010/main" val="2388490339"/>
+                <p14:modId xmlns:p14="http://schemas.microsoft.com/office/powerpoint/2010/main" val="1095557781"/>
               </p:ext>
             </p:extLst>
           </p:nvPr>
@@ -4389,22 +4385,22 @@
                       <a:pPr algn="ctr"/>
                       <a:r>
                         <a:rPr lang="en-US" dirty="0" smtClean="0"/>
-                        <a:t>12.720</a:t>
-                      </a:r>
-                      <a:endParaRPr lang="en-US" dirty="0"/>
-                    </a:p>
-                  </a:txBody>
-                  <a:tcPr anchor="ctr"/>
-                </a:tc>
-                <a:tc>
-                  <a:txBody>
-                    <a:bodyPr/>
-                    <a:lstStyle/>
-                    <a:p>
-                      <a:pPr algn="ctr"/>
-                      <a:r>
-                        <a:rPr lang="en-US" dirty="0" smtClean="0"/>
-                        <a:t>15.991</a:t>
+                        <a:t>12.741</a:t>
+                      </a:r>
+                      <a:endParaRPr lang="en-US" dirty="0"/>
+                    </a:p>
+                  </a:txBody>
+                  <a:tcPr anchor="ctr"/>
+                </a:tc>
+                <a:tc>
+                  <a:txBody>
+                    <a:bodyPr/>
+                    <a:lstStyle/>
+                    <a:p>
+                      <a:pPr algn="ctr"/>
+                      <a:r>
+                        <a:rPr lang="en-US" dirty="0" smtClean="0"/>
+                        <a:t>15.986</a:t>
                       </a:r>
                       <a:endParaRPr lang="en-US" dirty="0"/>
                     </a:p>
@@ -4451,37 +4447,37 @@
                       <a:pPr algn="ctr"/>
                       <a:r>
                         <a:rPr lang="en-US" dirty="0" smtClean="0"/>
-                        <a:t>129</a:t>
-                      </a:r>
-                      <a:endParaRPr lang="en-US" dirty="0"/>
-                    </a:p>
-                  </a:txBody>
-                  <a:tcPr anchor="ctr"/>
-                </a:tc>
-                <a:tc>
-                  <a:txBody>
-                    <a:bodyPr/>
-                    <a:lstStyle/>
-                    <a:p>
-                      <a:pPr algn="ctr"/>
-                      <a:r>
-                        <a:rPr lang="en-US" dirty="0" smtClean="0"/>
-                        <a:t>11.670</a:t>
-                      </a:r>
-                      <a:endParaRPr lang="en-US" dirty="0"/>
-                    </a:p>
-                  </a:txBody>
-                  <a:tcPr anchor="ctr"/>
-                </a:tc>
-                <a:tc>
-                  <a:txBody>
-                    <a:bodyPr/>
-                    <a:lstStyle/>
-                    <a:p>
-                      <a:pPr algn="ctr"/>
-                      <a:r>
-                        <a:rPr lang="en-US" dirty="0" smtClean="0"/>
-                        <a:t>15.057</a:t>
+                        <a:t>141</a:t>
+                      </a:r>
+                      <a:endParaRPr lang="en-US" dirty="0"/>
+                    </a:p>
+                  </a:txBody>
+                  <a:tcPr anchor="ctr"/>
+                </a:tc>
+                <a:tc>
+                  <a:txBody>
+                    <a:bodyPr/>
+                    <a:lstStyle/>
+                    <a:p>
+                      <a:pPr algn="ctr"/>
+                      <a:r>
+                        <a:rPr lang="en-US" dirty="0" smtClean="0"/>
+                        <a:t>12.174</a:t>
+                      </a:r>
+                      <a:endParaRPr lang="en-US" dirty="0"/>
+                    </a:p>
+                  </a:txBody>
+                  <a:tcPr anchor="ctr"/>
+                </a:tc>
+                <a:tc>
+                  <a:txBody>
+                    <a:bodyPr/>
+                    <a:lstStyle/>
+                    <a:p>
+                      <a:pPr algn="ctr"/>
+                      <a:r>
+                        <a:rPr lang="en-US" dirty="0" smtClean="0"/>
+                        <a:t>16.092</a:t>
                       </a:r>
                       <a:endParaRPr lang="en-US" dirty="0"/>
                     </a:p>
@@ -4543,22 +4539,22 @@
                       <a:pPr algn="ctr"/>
                       <a:r>
                         <a:rPr lang="en-US" dirty="0" smtClean="0"/>
-                        <a:t>11.649</a:t>
-                      </a:r>
-                      <a:endParaRPr lang="en-US" dirty="0"/>
-                    </a:p>
-                  </a:txBody>
-                  <a:tcPr anchor="ctr"/>
-                </a:tc>
-                <a:tc>
-                  <a:txBody>
-                    <a:bodyPr/>
-                    <a:lstStyle/>
-                    <a:p>
-                      <a:pPr algn="ctr"/>
-                      <a:r>
-                        <a:rPr lang="en-US" dirty="0" smtClean="0"/>
-                        <a:t>15.029</a:t>
+                        <a:t>11.644</a:t>
+                      </a:r>
+                      <a:endParaRPr lang="en-US" dirty="0"/>
+                    </a:p>
+                  </a:txBody>
+                  <a:tcPr anchor="ctr"/>
+                </a:tc>
+                <a:tc>
+                  <a:txBody>
+                    <a:bodyPr/>
+                    <a:lstStyle/>
+                    <a:p>
+                      <a:pPr algn="ctr"/>
+                      <a:r>
+                        <a:rPr lang="en-US" dirty="0" smtClean="0"/>
+                        <a:t>15.027</a:t>
                       </a:r>
                       <a:endParaRPr lang="en-US" dirty="0"/>
                     </a:p>
@@ -4579,7 +4575,7 @@
           <p:nvPr>
             <p:extLst>
               <p:ext uri="{D42A27DB-BD31-4B8C-83A1-F6EECF244321}">
-                <p14:modId xmlns:p14="http://schemas.microsoft.com/office/powerpoint/2010/main" val="3717342382"/>
+                <p14:modId xmlns:p14="http://schemas.microsoft.com/office/powerpoint/2010/main" val="1662028465"/>
               </p:ext>
             </p:extLst>
           </p:nvPr>
@@ -4714,52 +4710,52 @@
                       <a:pPr algn="ctr"/>
                       <a:r>
                         <a:rPr lang="en-US" dirty="0" smtClean="0"/>
-                        <a:t>1.0</a:t>
-                      </a:r>
-                      <a:endParaRPr lang="en-US" dirty="0"/>
-                    </a:p>
-                  </a:txBody>
-                  <a:tcPr anchor="ctr"/>
-                </a:tc>
-                <a:tc>
-                  <a:txBody>
-                    <a:bodyPr/>
-                    <a:lstStyle/>
-                    <a:p>
-                      <a:pPr algn="ctr"/>
-                      <a:r>
-                        <a:rPr lang="en-US" dirty="0" smtClean="0"/>
-                        <a:t>8.25</a:t>
-                      </a:r>
-                      <a:endParaRPr lang="en-US" dirty="0"/>
-                    </a:p>
-                  </a:txBody>
-                  <a:tcPr anchor="ctr"/>
-                </a:tc>
-                <a:tc>
-                  <a:txBody>
-                    <a:bodyPr/>
-                    <a:lstStyle/>
-                    <a:p>
-                      <a:pPr algn="ctr"/>
-                      <a:r>
-                        <a:rPr lang="en-US" dirty="0" smtClean="0"/>
-                        <a:t>1.179</a:t>
-                      </a:r>
-                      <a:endParaRPr lang="en-US" dirty="0"/>
-                    </a:p>
-                  </a:txBody>
-                  <a:tcPr anchor="ctr"/>
-                </a:tc>
-                <a:tc>
-                  <a:txBody>
-                    <a:bodyPr/>
-                    <a:lstStyle/>
-                    <a:p>
-                      <a:pPr algn="ctr"/>
-                      <a:r>
-                        <a:rPr lang="en-US" dirty="0" smtClean="0"/>
-                        <a:t>0.450</a:t>
+                        <a:t>100%</a:t>
+                      </a:r>
+                      <a:endParaRPr lang="en-US" dirty="0"/>
+                    </a:p>
+                  </a:txBody>
+                  <a:tcPr anchor="ctr"/>
+                </a:tc>
+                <a:tc>
+                  <a:txBody>
+                    <a:bodyPr/>
+                    <a:lstStyle/>
+                    <a:p>
+                      <a:pPr algn="ctr"/>
+                      <a:r>
+                        <a:rPr lang="en-US" dirty="0" smtClean="0"/>
+                        <a:t>360%</a:t>
+                      </a:r>
+                      <a:endParaRPr lang="en-US" dirty="0"/>
+                    </a:p>
+                  </a:txBody>
+                  <a:tcPr anchor="ctr"/>
+                </a:tc>
+                <a:tc>
+                  <a:txBody>
+                    <a:bodyPr/>
+                    <a:lstStyle/>
+                    <a:p>
+                      <a:pPr algn="ctr"/>
+                      <a:r>
+                        <a:rPr lang="en-US" dirty="0" smtClean="0"/>
+                        <a:t>110.5%</a:t>
+                      </a:r>
+                      <a:endParaRPr lang="en-US" dirty="0"/>
+                    </a:p>
+                  </a:txBody>
+                  <a:tcPr anchor="ctr"/>
+                </a:tc>
+                <a:tc>
+                  <a:txBody>
+                    <a:bodyPr/>
+                    <a:lstStyle/>
+                    <a:p>
+                      <a:pPr algn="ctr"/>
+                      <a:r>
+                        <a:rPr lang="en-US" dirty="0" smtClean="0"/>
+                        <a:t>23.0%</a:t>
                       </a:r>
                       <a:endParaRPr lang="en-US" dirty="0"/>
                     </a:p>
@@ -4799,52 +4795,52 @@
                       <a:pPr algn="ctr"/>
                       <a:r>
                         <a:rPr lang="en-US" dirty="0" smtClean="0"/>
-                        <a:t>0.5</a:t>
-                      </a:r>
-                      <a:endParaRPr lang="en-US" dirty="0"/>
-                    </a:p>
-                  </a:txBody>
-                  <a:tcPr anchor="ctr"/>
-                </a:tc>
-                <a:tc>
-                  <a:txBody>
-                    <a:bodyPr/>
-                    <a:lstStyle/>
-                    <a:p>
-                      <a:pPr algn="ctr"/>
-                      <a:r>
-                        <a:rPr lang="en-US" dirty="0" smtClean="0"/>
-                        <a:t>4.0</a:t>
-                      </a:r>
-                      <a:endParaRPr lang="en-US" dirty="0"/>
-                    </a:p>
-                  </a:txBody>
-                  <a:tcPr anchor="ctr"/>
-                </a:tc>
-                <a:tc>
-                  <a:txBody>
-                    <a:bodyPr/>
-                    <a:lstStyle/>
-                    <a:p>
-                      <a:pPr algn="ctr"/>
-                      <a:r>
-                        <a:rPr lang="en-US" dirty="0" smtClean="0"/>
-                        <a:t>1.005</a:t>
-                      </a:r>
-                      <a:endParaRPr lang="en-US" dirty="0"/>
-                    </a:p>
-                  </a:txBody>
-                  <a:tcPr anchor="ctr"/>
-                </a:tc>
-                <a:tc>
-                  <a:txBody>
-                    <a:bodyPr/>
-                    <a:lstStyle/>
-                    <a:p>
-                      <a:pPr algn="ctr"/>
-                      <a:r>
-                        <a:rPr lang="en-US" dirty="0" smtClean="0"/>
-                        <a:t>0.196</a:t>
+                        <a:t>13.3%</a:t>
+                      </a:r>
+                      <a:endParaRPr lang="en-US" dirty="0"/>
+                    </a:p>
+                  </a:txBody>
+                  <a:tcPr anchor="ctr"/>
+                </a:tc>
+                <a:tc>
+                  <a:txBody>
+                    <a:bodyPr/>
+                    <a:lstStyle/>
+                    <a:p>
+                      <a:pPr algn="ctr"/>
+                      <a:r>
+                        <a:rPr lang="en-US" dirty="0" smtClean="0"/>
+                        <a:t>100%</a:t>
+                      </a:r>
+                      <a:endParaRPr lang="en-US" dirty="0"/>
+                    </a:p>
+                  </a:txBody>
+                  <a:tcPr anchor="ctr"/>
+                </a:tc>
+                <a:tc>
+                  <a:txBody>
+                    <a:bodyPr/>
+                    <a:lstStyle/>
+                    <a:p>
+                      <a:pPr algn="ctr"/>
+                      <a:r>
+                        <a:rPr lang="en-US" dirty="0" smtClean="0"/>
+                        <a:t>95.9%</a:t>
+                      </a:r>
+                      <a:endParaRPr lang="en-US" dirty="0"/>
+                    </a:p>
+                  </a:txBody>
+                  <a:tcPr anchor="ctr"/>
+                </a:tc>
+                <a:tc>
+                  <a:txBody>
+                    <a:bodyPr/>
+                    <a:lstStyle/>
+                    <a:p>
+                      <a:pPr algn="ctr"/>
+                      <a:r>
+                        <a:rPr lang="en-US" dirty="0" smtClean="0"/>
+                        <a:t>12.1%</a:t>
                       </a:r>
                       <a:endParaRPr lang="en-US" dirty="0"/>
                     </a:p>
@@ -4884,52 +4880,52 @@
                       <a:pPr algn="ctr"/>
                       <a:r>
                         <a:rPr lang="en-US" dirty="0" smtClean="0"/>
-                        <a:t>1.0</a:t>
-                      </a:r>
-                      <a:endParaRPr lang="en-US" dirty="0"/>
-                    </a:p>
-                  </a:txBody>
-                  <a:tcPr anchor="ctr"/>
-                </a:tc>
-                <a:tc>
-                  <a:txBody>
-                    <a:bodyPr/>
-                    <a:lstStyle/>
-                    <a:p>
-                      <a:pPr algn="ctr"/>
-                      <a:r>
-                        <a:rPr lang="en-US" dirty="0" smtClean="0"/>
-                        <a:t>8.25</a:t>
-                      </a:r>
-                      <a:endParaRPr lang="en-US" dirty="0"/>
-                    </a:p>
-                  </a:txBody>
-                  <a:tcPr anchor="ctr"/>
-                </a:tc>
-                <a:tc>
-                  <a:txBody>
-                    <a:bodyPr/>
-                    <a:lstStyle/>
-                    <a:p>
-                      <a:pPr algn="ctr"/>
-                      <a:r>
-                        <a:rPr lang="en-US" dirty="0" smtClean="0"/>
-                        <a:t>1.188</a:t>
-                      </a:r>
-                      <a:endParaRPr lang="en-US" dirty="0"/>
-                    </a:p>
-                  </a:txBody>
-                  <a:tcPr anchor="ctr"/>
-                </a:tc>
-                <a:tc>
-                  <a:txBody>
-                    <a:bodyPr/>
-                    <a:lstStyle/>
-                    <a:p>
-                      <a:pPr algn="ctr"/>
-                      <a:r>
-                        <a:rPr lang="en-US" dirty="0" smtClean="0"/>
-                        <a:t>0.456</a:t>
+                        <a:t>100%</a:t>
+                      </a:r>
+                      <a:endParaRPr lang="en-US" dirty="0"/>
+                    </a:p>
+                  </a:txBody>
+                  <a:tcPr anchor="ctr"/>
+                </a:tc>
+                <a:tc>
+                  <a:txBody>
+                    <a:bodyPr/>
+                    <a:lstStyle/>
+                    <a:p>
+                      <a:pPr algn="ctr"/>
+                      <a:r>
+                        <a:rPr lang="en-US" dirty="0" smtClean="0"/>
+                        <a:t>825%</a:t>
+                      </a:r>
+                      <a:endParaRPr lang="en-US" dirty="0"/>
+                    </a:p>
+                  </a:txBody>
+                  <a:tcPr anchor="ctr"/>
+                </a:tc>
+                <a:tc>
+                  <a:txBody>
+                    <a:bodyPr/>
+                    <a:lstStyle/>
+                    <a:p>
+                      <a:pPr algn="ctr"/>
+                      <a:r>
+                        <a:rPr lang="en-US" dirty="0" smtClean="0"/>
+                        <a:t>119.5%</a:t>
+                      </a:r>
+                      <a:endParaRPr lang="en-US" dirty="0"/>
+                    </a:p>
+                  </a:txBody>
+                  <a:tcPr anchor="ctr"/>
+                </a:tc>
+                <a:tc>
+                  <a:txBody>
+                    <a:bodyPr/>
+                    <a:lstStyle/>
+                    <a:p>
+                      <a:pPr algn="ctr"/>
+                      <a:r>
+                        <a:rPr lang="en-US" dirty="0" smtClean="0"/>
+                        <a:t>47.3%</a:t>
                       </a:r>
                       <a:endParaRPr lang="en-US" dirty="0"/>
                     </a:p>
@@ -5066,15 +5062,7 @@
           <a:p>
             <a:r>
               <a:rPr lang="en-US" dirty="0" smtClean="0"/>
-              <a:t>Info on </a:t>
-            </a:r>
-            <a:r>
-              <a:rPr lang="en-US" dirty="0" smtClean="0"/>
-              <a:t>IVC_MUST </a:t>
-            </a:r>
-            <a:r>
-              <a:rPr lang="en-US" dirty="0" smtClean="0"/>
-              <a:t>minimization runs</a:t>
+              <a:t>Info on IVC_MUST minimization runs</a:t>
             </a:r>
             <a:endParaRPr lang="en-US" dirty="0"/>
           </a:p>
@@ -5090,7 +5078,7 @@
             <p:ph idx="1"/>
             <p:extLst>
               <p:ext uri="{D42A27DB-BD31-4B8C-83A1-F6EECF244321}">
-                <p14:modId xmlns:p14="http://schemas.microsoft.com/office/powerpoint/2010/main" val="3503589811"/>
+                <p14:modId xmlns:p14="http://schemas.microsoft.com/office/powerpoint/2010/main" val="175371518"/>
               </p:ext>
             </p:extLst>
           </p:nvPr>
@@ -5119,11 +5107,7 @@
                       <a:pPr algn="ctr"/>
                       <a:r>
                         <a:rPr lang="en-US" dirty="0" smtClean="0"/>
-                        <a:t>Running </a:t>
-                      </a:r>
-                      <a:r>
-                        <a:rPr lang="en-US" dirty="0" smtClean="0"/>
-                        <a:t>time</a:t>
+                        <a:t>Running time</a:t>
                       </a:r>
                       <a:r>
                         <a:rPr lang="en-US" baseline="0" dirty="0" smtClean="0"/>
@@ -5189,22 +5173,22 @@
                       <a:pPr algn="ctr"/>
                       <a:r>
                         <a:rPr lang="en-US" dirty="0" smtClean="0"/>
-                        <a:t>0.88</a:t>
-                      </a:r>
-                      <a:endParaRPr lang="en-US" dirty="0"/>
-                    </a:p>
-                  </a:txBody>
-                  <a:tcPr anchor="ctr"/>
-                </a:tc>
-                <a:tc>
-                  <a:txBody>
-                    <a:bodyPr/>
-                    <a:lstStyle/>
-                    <a:p>
-                      <a:pPr algn="ctr"/>
-                      <a:r>
-                        <a:rPr lang="en-US" dirty="0" smtClean="0"/>
-                        <a:t>7.83</a:t>
+                        <a:t>0.9</a:t>
+                      </a:r>
+                      <a:endParaRPr lang="en-US" dirty="0"/>
+                    </a:p>
+                  </a:txBody>
+                  <a:tcPr anchor="ctr"/>
+                </a:tc>
+                <a:tc>
+                  <a:txBody>
+                    <a:bodyPr/>
+                    <a:lstStyle/>
+                    <a:p>
+                      <a:pPr algn="ctr"/>
+                      <a:r>
+                        <a:rPr lang="en-US" dirty="0" smtClean="0"/>
+                        <a:t>8.28</a:t>
                       </a:r>
                       <a:endParaRPr lang="en-US" dirty="0"/>
                     </a:p>
@@ -5252,7 +5236,7 @@
                       </a:pPr>
                       <a:r>
                         <a:rPr lang="en-US" dirty="0" smtClean="0"/>
-                        <a:t>2.07</a:t>
+                        <a:t>2.54</a:t>
                       </a:r>
                       <a:endParaRPr lang="en-US" dirty="0" smtClean="0"/>
                     </a:p>
@@ -5267,7 +5251,7 @@
                       <a:pPr algn="ctr"/>
                       <a:r>
                         <a:rPr lang="en-US" dirty="0" smtClean="0"/>
-                        <a:t>2.69</a:t>
+                        <a:t>4.74</a:t>
                       </a:r>
                       <a:endParaRPr lang="en-US" dirty="0"/>
                     </a:p>
@@ -5299,22 +5283,22 @@
                       <a:pPr algn="ctr"/>
                       <a:r>
                         <a:rPr lang="en-US" dirty="0" smtClean="0"/>
-                        <a:t>0.17</a:t>
-                      </a:r>
-                      <a:endParaRPr lang="en-US" dirty="0"/>
-                    </a:p>
-                  </a:txBody>
-                  <a:tcPr anchor="ctr"/>
-                </a:tc>
-                <a:tc>
-                  <a:txBody>
-                    <a:bodyPr/>
-                    <a:lstStyle/>
-                    <a:p>
-                      <a:pPr algn="ctr"/>
-                      <a:r>
-                        <a:rPr lang="en-US" dirty="0" smtClean="0"/>
-                        <a:t>0.41</a:t>
+                        <a:t>0.16</a:t>
+                      </a:r>
+                      <a:endParaRPr lang="en-US" dirty="0"/>
+                    </a:p>
+                  </a:txBody>
+                  <a:tcPr anchor="ctr"/>
+                </a:tc>
+                <a:tc>
+                  <a:txBody>
+                    <a:bodyPr/>
+                    <a:lstStyle/>
+                    <a:p>
+                      <a:pPr algn="ctr"/>
+                      <a:r>
+                        <a:rPr lang="en-US" dirty="0" smtClean="0"/>
+                        <a:t>0.39</a:t>
                       </a:r>
                       <a:endParaRPr lang="en-US" dirty="0"/>
                     </a:p>
@@ -5346,22 +5330,22 @@
                       <a:pPr algn="ctr"/>
                       <a:r>
                         <a:rPr lang="en-US" dirty="0" smtClean="0"/>
-                        <a:t>115.52</a:t>
-                      </a:r>
-                      <a:endParaRPr lang="en-US" dirty="0"/>
-                    </a:p>
-                  </a:txBody>
-                  <a:tcPr anchor="ctr"/>
-                </a:tc>
-                <a:tc>
-                  <a:txBody>
-                    <a:bodyPr/>
-                    <a:lstStyle/>
-                    <a:p>
-                      <a:pPr algn="ctr"/>
-                      <a:r>
-                        <a:rPr lang="en-US" dirty="0" smtClean="0"/>
-                        <a:t>0.49</a:t>
+                        <a:t>125.28</a:t>
+                      </a:r>
+                      <a:endParaRPr lang="en-US" dirty="0"/>
+                    </a:p>
+                  </a:txBody>
+                  <a:tcPr anchor="ctr"/>
+                </a:tc>
+                <a:tc>
+                  <a:txBody>
+                    <a:bodyPr/>
+                    <a:lstStyle/>
+                    <a:p>
+                      <a:pPr algn="ctr"/>
+                      <a:r>
+                        <a:rPr lang="en-US" dirty="0" smtClean="0"/>
+                        <a:t>0.32</a:t>
                       </a:r>
                       <a:endParaRPr lang="en-US" dirty="0"/>
                     </a:p>
@@ -5424,20 +5408,20 @@
       </p:sp>
       <p:graphicFrame>
         <p:nvGraphicFramePr>
-          <p:cNvPr id="6" name="Content Placeholder 3"/>
+          <p:cNvPr id="7" name="Content Placeholder 3"/>
           <p:cNvGraphicFramePr>
             <a:graphicFrameLocks/>
           </p:cNvGraphicFramePr>
           <p:nvPr>
             <p:extLst>
               <p:ext uri="{D42A27DB-BD31-4B8C-83A1-F6EECF244321}">
-                <p14:modId xmlns:p14="http://schemas.microsoft.com/office/powerpoint/2010/main" val="1700502575"/>
+                <p14:modId xmlns:p14="http://schemas.microsoft.com/office/powerpoint/2010/main" val="222431630"/>
               </p:ext>
             </p:extLst>
           </p:nvPr>
         </p:nvGraphicFramePr>
         <p:xfrm>
-          <a:off x="1024466" y="4238626"/>
+          <a:off x="973666" y="4255560"/>
           <a:ext cx="6206067" cy="1854200"/>
         </p:xfrm>
         <a:graphic>
@@ -5460,11 +5444,7 @@
                       <a:pPr algn="ctr"/>
                       <a:r>
                         <a:rPr lang="en-US" dirty="0" smtClean="0"/>
-                        <a:t>Running </a:t>
-                      </a:r>
-                      <a:r>
-                        <a:rPr lang="en-US" dirty="0" smtClean="0"/>
-                        <a:t>time</a:t>
+                        <a:t>Running time</a:t>
                       </a:r>
                       <a:r>
                         <a:rPr lang="en-US" baseline="0" dirty="0" smtClean="0"/>
@@ -5530,22 +5510,22 @@
                       <a:pPr algn="ctr"/>
                       <a:r>
                         <a:rPr lang="en-US" dirty="0" smtClean="0"/>
-                        <a:t>0.89</a:t>
-                      </a:r>
-                      <a:endParaRPr lang="en-US" dirty="0"/>
-                    </a:p>
-                  </a:txBody>
-                  <a:tcPr anchor="ctr"/>
-                </a:tc>
-                <a:tc>
-                  <a:txBody>
-                    <a:bodyPr/>
-                    <a:lstStyle/>
-                    <a:p>
-                      <a:pPr algn="ctr"/>
-                      <a:r>
-                        <a:rPr lang="en-US" smtClean="0"/>
-                        <a:t>7.88</a:t>
+                        <a:t>0.78</a:t>
+                      </a:r>
+                      <a:endParaRPr lang="en-US" dirty="0"/>
+                    </a:p>
+                  </a:txBody>
+                  <a:tcPr anchor="ctr"/>
+                </a:tc>
+                <a:tc>
+                  <a:txBody>
+                    <a:bodyPr/>
+                    <a:lstStyle/>
+                    <a:p>
+                      <a:pPr algn="ctr"/>
+                      <a:r>
+                        <a:rPr lang="en-US" dirty="0" smtClean="0"/>
+                        <a:t>7.91</a:t>
                       </a:r>
                       <a:endParaRPr lang="en-US" dirty="0"/>
                     </a:p>
@@ -5593,21 +5573,21 @@
                       </a:pPr>
                       <a:r>
                         <a:rPr lang="en-US" dirty="0" smtClean="0"/>
-                        <a:t>2.55</a:t>
-                      </a:r>
-                    </a:p>
-                  </a:txBody>
-                  <a:tcPr anchor="ctr"/>
-                </a:tc>
-                <a:tc>
-                  <a:txBody>
-                    <a:bodyPr/>
-                    <a:lstStyle/>
-                    <a:p>
-                      <a:pPr algn="ctr"/>
-                      <a:r>
-                        <a:rPr lang="en-US" dirty="0" smtClean="0"/>
-                        <a:t>0.44</a:t>
+                        <a:t>3.3</a:t>
+                      </a:r>
+                    </a:p>
+                  </a:txBody>
+                  <a:tcPr anchor="ctr"/>
+                </a:tc>
+                <a:tc>
+                  <a:txBody>
+                    <a:bodyPr/>
+                    <a:lstStyle/>
+                    <a:p>
+                      <a:pPr algn="ctr"/>
+                      <a:r>
+                        <a:rPr lang="en-US" dirty="0" smtClean="0"/>
+                        <a:t>2.95</a:t>
                       </a:r>
                       <a:endParaRPr lang="en-US" dirty="0"/>
                     </a:p>
@@ -5639,22 +5619,22 @@
                       <a:pPr algn="ctr"/>
                       <a:r>
                         <a:rPr lang="en-US" dirty="0" smtClean="0"/>
-                        <a:t>0.21</a:t>
-                      </a:r>
-                      <a:endParaRPr lang="en-US" dirty="0"/>
-                    </a:p>
-                  </a:txBody>
-                  <a:tcPr anchor="ctr"/>
-                </a:tc>
-                <a:tc>
-                  <a:txBody>
-                    <a:bodyPr/>
-                    <a:lstStyle/>
-                    <a:p>
-                      <a:pPr algn="ctr"/>
-                      <a:r>
-                        <a:rPr lang="en-US" dirty="0" smtClean="0"/>
-                        <a:t>0.92</a:t>
+                        <a:t>0.16</a:t>
+                      </a:r>
+                      <a:endParaRPr lang="en-US" dirty="0"/>
+                    </a:p>
+                  </a:txBody>
+                  <a:tcPr anchor="ctr"/>
+                </a:tc>
+                <a:tc>
+                  <a:txBody>
+                    <a:bodyPr/>
+                    <a:lstStyle/>
+                    <a:p>
+                      <a:pPr algn="ctr"/>
+                      <a:r>
+                        <a:rPr lang="en-US" dirty="0" smtClean="0"/>
+                        <a:t>0.41</a:t>
                       </a:r>
                       <a:endParaRPr lang="en-US" dirty="0"/>
                     </a:p>
@@ -5686,7 +5666,7 @@
                       <a:pPr algn="ctr"/>
                       <a:r>
                         <a:rPr lang="en-US" dirty="0" smtClean="0"/>
-                        <a:t>126.91</a:t>
+                        <a:t>141.07</a:t>
                       </a:r>
                       <a:endParaRPr lang="en-US" dirty="0"/>
                     </a:p>
@@ -5764,7 +5744,7 @@
       </p:sp>
       <p:pic>
         <p:nvPicPr>
-          <p:cNvPr id="3" name="Picture 2"/>
+          <p:cNvPr id="4" name="Picture 3"/>
           <p:cNvPicPr>
             <a:picLocks noChangeAspect="1"/>
           </p:cNvPicPr>
@@ -5784,8 +5764,8 @@
         </p:blipFill>
         <p:spPr>
           <a:xfrm>
-            <a:off x="337643" y="296333"/>
-            <a:ext cx="11656781" cy="6341534"/>
+            <a:off x="0" y="0"/>
+            <a:ext cx="12192000" cy="6632704"/>
           </a:xfrm>
           <a:prstGeom prst="rect">
             <a:avLst/>

--- a/completeness/experiments/experimental_results/Experimental Results.pptx
+++ b/completeness/experiments/experimental_results/Experimental Results.pptx
@@ -3017,12 +3017,8 @@
           <a:lstStyle/>
           <a:p>
             <a:r>
-              <a:rPr lang="en-US" dirty="0" err="1" smtClean="0"/>
-              <a:t>All_IVCs</a:t>
-            </a:r>
-            <a:r>
-              <a:rPr lang="en-US" dirty="0" smtClean="0"/>
-              <a:t> Algorithm</a:t>
+              <a:rPr lang="en-US" smtClean="0"/>
+              <a:t>Completeness paper</a:t>
             </a:r>
             <a:endParaRPr lang="en-US" dirty="0"/>
           </a:p>
@@ -3340,7 +3336,6 @@
                         <a:rPr lang="en-US" dirty="0" smtClean="0"/>
                         <a:t>1081.099%</a:t>
                       </a:r>
-                      <a:endParaRPr lang="en-US" dirty="0" smtClean="0"/>
                     </a:p>
                   </a:txBody>
                   <a:tcPr anchor="ctr"/>
@@ -5238,7 +5233,6 @@
                         <a:rPr lang="en-US" dirty="0" smtClean="0"/>
                         <a:t>2.54</a:t>
                       </a:r>
-                      <a:endParaRPr lang="en-US" dirty="0" smtClean="0"/>
                     </a:p>
                   </a:txBody>
                   <a:tcPr anchor="ctr"/>

--- a/completeness/experiments/experimental_results/Experimental Results.pptx
+++ b/completeness/experiments/experimental_results/Experimental Results.pptx
@@ -7,11 +7,11 @@
   <p:sldIdLst>
     <p:sldId id="256" r:id="rId2"/>
     <p:sldId id="257" r:id="rId3"/>
-    <p:sldId id="260" r:id="rId4"/>
-    <p:sldId id="261" r:id="rId5"/>
+    <p:sldId id="271" r:id="rId4"/>
+    <p:sldId id="272" r:id="rId5"/>
     <p:sldId id="258" r:id="rId6"/>
     <p:sldId id="270" r:id="rId7"/>
-    <p:sldId id="269" r:id="rId8"/>
+    <p:sldId id="273" r:id="rId8"/>
     <p:sldId id="259" r:id="rId9"/>
     <p:sldId id="266" r:id="rId10"/>
     <p:sldId id="268" r:id="rId11"/>
@@ -252,7 +252,7 @@
           <a:p>
             <a:fld id="{899D766E-60EA-40D4-8F02-6F5AC76A935E}" type="datetimeFigureOut">
               <a:rPr lang="en-US" smtClean="0"/>
-              <a:t>8/14/2016</a:t>
+              <a:t>8/16/2016</a:t>
             </a:fld>
             <a:endParaRPr lang="en-US"/>
           </a:p>
@@ -422,7 +422,7 @@
           <a:p>
             <a:fld id="{899D766E-60EA-40D4-8F02-6F5AC76A935E}" type="datetimeFigureOut">
               <a:rPr lang="en-US" smtClean="0"/>
-              <a:t>8/14/2016</a:t>
+              <a:t>8/16/2016</a:t>
             </a:fld>
             <a:endParaRPr lang="en-US"/>
           </a:p>
@@ -602,7 +602,7 @@
           <a:p>
             <a:fld id="{899D766E-60EA-40D4-8F02-6F5AC76A935E}" type="datetimeFigureOut">
               <a:rPr lang="en-US" smtClean="0"/>
-              <a:t>8/14/2016</a:t>
+              <a:t>8/16/2016</a:t>
             </a:fld>
             <a:endParaRPr lang="en-US"/>
           </a:p>
@@ -772,7 +772,7 @@
           <a:p>
             <a:fld id="{899D766E-60EA-40D4-8F02-6F5AC76A935E}" type="datetimeFigureOut">
               <a:rPr lang="en-US" smtClean="0"/>
-              <a:t>8/14/2016</a:t>
+              <a:t>8/16/2016</a:t>
             </a:fld>
             <a:endParaRPr lang="en-US"/>
           </a:p>
@@ -1018,7 +1018,7 @@
           <a:p>
             <a:fld id="{899D766E-60EA-40D4-8F02-6F5AC76A935E}" type="datetimeFigureOut">
               <a:rPr lang="en-US" smtClean="0"/>
-              <a:t>8/14/2016</a:t>
+              <a:t>8/16/2016</a:t>
             </a:fld>
             <a:endParaRPr lang="en-US"/>
           </a:p>
@@ -1250,7 +1250,7 @@
           <a:p>
             <a:fld id="{899D766E-60EA-40D4-8F02-6F5AC76A935E}" type="datetimeFigureOut">
               <a:rPr lang="en-US" smtClean="0"/>
-              <a:t>8/14/2016</a:t>
+              <a:t>8/16/2016</a:t>
             </a:fld>
             <a:endParaRPr lang="en-US"/>
           </a:p>
@@ -1617,7 +1617,7 @@
           <a:p>
             <a:fld id="{899D766E-60EA-40D4-8F02-6F5AC76A935E}" type="datetimeFigureOut">
               <a:rPr lang="en-US" smtClean="0"/>
-              <a:t>8/14/2016</a:t>
+              <a:t>8/16/2016</a:t>
             </a:fld>
             <a:endParaRPr lang="en-US"/>
           </a:p>
@@ -1735,7 +1735,7 @@
           <a:p>
             <a:fld id="{899D766E-60EA-40D4-8F02-6F5AC76A935E}" type="datetimeFigureOut">
               <a:rPr lang="en-US" smtClean="0"/>
-              <a:t>8/14/2016</a:t>
+              <a:t>8/16/2016</a:t>
             </a:fld>
             <a:endParaRPr lang="en-US"/>
           </a:p>
@@ -1830,7 +1830,7 @@
           <a:p>
             <a:fld id="{899D766E-60EA-40D4-8F02-6F5AC76A935E}" type="datetimeFigureOut">
               <a:rPr lang="en-US" smtClean="0"/>
-              <a:t>8/14/2016</a:t>
+              <a:t>8/16/2016</a:t>
             </a:fld>
             <a:endParaRPr lang="en-US"/>
           </a:p>
@@ -2107,7 +2107,7 @@
           <a:p>
             <a:fld id="{899D766E-60EA-40D4-8F02-6F5AC76A935E}" type="datetimeFigureOut">
               <a:rPr lang="en-US" smtClean="0"/>
-              <a:t>8/14/2016</a:t>
+              <a:t>8/16/2016</a:t>
             </a:fld>
             <a:endParaRPr lang="en-US"/>
           </a:p>
@@ -2360,7 +2360,7 @@
           <a:p>
             <a:fld id="{899D766E-60EA-40D4-8F02-6F5AC76A935E}" type="datetimeFigureOut">
               <a:rPr lang="en-US" smtClean="0"/>
-              <a:t>8/14/2016</a:t>
+              <a:t>8/16/2016</a:t>
             </a:fld>
             <a:endParaRPr lang="en-US"/>
           </a:p>
@@ -2573,7 +2573,7 @@
           <a:p>
             <a:fld id="{899D766E-60EA-40D4-8F02-6F5AC76A935E}" type="datetimeFigureOut">
               <a:rPr lang="en-US" smtClean="0"/>
-              <a:t>8/14/2016</a:t>
+              <a:t>8/16/2016</a:t>
             </a:fld>
             <a:endParaRPr lang="en-US"/>
           </a:p>
@@ -3574,13 +3574,34 @@
           <a:chExt cx="0" cy="0"/>
         </a:xfrm>
       </p:grpSpPr>
+      <p:sp>
+        <p:nvSpPr>
+          <p:cNvPr id="2" name="Title 1"/>
+          <p:cNvSpPr>
+            <a:spLocks noGrp="1"/>
+          </p:cNvSpPr>
+          <p:nvPr>
+            <p:ph type="title"/>
+          </p:nvPr>
+        </p:nvSpPr>
+        <p:spPr/>
+        <p:txBody>
+          <a:bodyPr/>
+          <a:lstStyle/>
+          <a:p>
+            <a:endParaRPr lang="en-US"/>
+          </a:p>
+        </p:txBody>
+      </p:sp>
       <p:pic>
         <p:nvPicPr>
-          <p:cNvPr id="3" name="Picture 2"/>
+          <p:cNvPr id="4" name="Content Placeholder 3"/>
           <p:cNvPicPr>
-            <a:picLocks noChangeAspect="1"/>
+            <a:picLocks noGrp="1" noChangeAspect="1"/>
           </p:cNvPicPr>
-          <p:nvPr/>
+          <p:nvPr>
+            <p:ph idx="1"/>
+          </p:nvPr>
         </p:nvPicPr>
         <p:blipFill>
           <a:blip r:embed="rId2">
@@ -3596,18 +3617,15 @@
         </p:blipFill>
         <p:spPr>
           <a:xfrm>
-            <a:off x="-127000" y="225296"/>
-            <a:ext cx="12192000" cy="6632704"/>
+            <a:off x="327230" y="233891"/>
+            <a:ext cx="11600364" cy="6310842"/>
           </a:xfrm>
-          <a:prstGeom prst="rect">
-            <a:avLst/>
-          </a:prstGeom>
         </p:spPr>
       </p:pic>
     </p:spTree>
     <p:extLst>
       <p:ext uri="{BB962C8B-B14F-4D97-AF65-F5344CB8AC3E}">
-        <p14:creationId xmlns:p14="http://schemas.microsoft.com/office/powerpoint/2010/main" val="240425741"/>
+        <p14:creationId xmlns:p14="http://schemas.microsoft.com/office/powerpoint/2010/main" val="5440263"/>
       </p:ext>
     </p:extLst>
   </p:cSld>
@@ -3655,7 +3673,7 @@
       </p:sp>
       <p:pic>
         <p:nvPicPr>
-          <p:cNvPr id="5" name="Content Placeholder 4"/>
+          <p:cNvPr id="4" name="Content Placeholder 3"/>
           <p:cNvPicPr>
             <a:picLocks noGrp="1" noChangeAspect="1"/>
           </p:cNvPicPr>
@@ -3677,15 +3695,15 @@
         </p:blipFill>
         <p:spPr>
           <a:xfrm>
-            <a:off x="361096" y="293158"/>
-            <a:ext cx="11475304" cy="6242807"/>
+            <a:off x="462695" y="208490"/>
+            <a:ext cx="11242413" cy="6116109"/>
           </a:xfrm>
         </p:spPr>
       </p:pic>
     </p:spTree>
     <p:extLst>
       <p:ext uri="{BB962C8B-B14F-4D97-AF65-F5344CB8AC3E}">
-        <p14:creationId xmlns:p14="http://schemas.microsoft.com/office/powerpoint/2010/main" val="1492926059"/>
+        <p14:creationId xmlns:p14="http://schemas.microsoft.com/office/powerpoint/2010/main" val="3395299253"/>
       </p:ext>
     </p:extLst>
   </p:cSld>
@@ -4983,7 +5001,7 @@
       </p:sp>
       <p:pic>
         <p:nvPicPr>
-          <p:cNvPr id="5" name="Content Placeholder 4"/>
+          <p:cNvPr id="4" name="Content Placeholder 3"/>
           <p:cNvPicPr>
             <a:picLocks noGrp="1" noChangeAspect="1"/>
           </p:cNvPicPr>
@@ -5005,15 +5023,15 @@
         </p:blipFill>
         <p:spPr>
           <a:xfrm>
-            <a:off x="267964" y="225425"/>
-            <a:ext cx="11500704" cy="6395508"/>
+            <a:off x="211667" y="219453"/>
+            <a:ext cx="11658029" cy="6342213"/>
           </a:xfrm>
         </p:spPr>
       </p:pic>
     </p:spTree>
     <p:extLst>
       <p:ext uri="{BB962C8B-B14F-4D97-AF65-F5344CB8AC3E}">
-        <p14:creationId xmlns:p14="http://schemas.microsoft.com/office/powerpoint/2010/main" val="558616771"/>
+        <p14:creationId xmlns:p14="http://schemas.microsoft.com/office/powerpoint/2010/main" val="3519524950"/>
       </p:ext>
     </p:extLst>
   </p:cSld>
